--- a/simple-inverse-4DOF.pptx
+++ b/simple-inverse-4DOF.pptx
@@ -8933,16 +8933,7 @@
                 </a:solidFill>
                 <a:cs typeface="Calibri Light"/>
               </a:rPr>
-              <a:t>3.2 </a:t>
-            </a:r>
-            <a:r>
-              <a:rPr lang="en-US" sz="4000">
-                <a:solidFill>
-                  <a:schemeClr val="bg1"/>
-                </a:solidFill>
-                <a:cs typeface="Calibri Light"/>
-              </a:rPr>
-              <a:t>UR3 Universal Robots</a:t>
+              <a:t>3.2 UR3 Universal Robots</a:t>
             </a:r>
             <a:endParaRPr lang="en-US" sz="4000" b="1" dirty="0">
               <a:solidFill>
@@ -9255,7 +9246,7 @@
         <p:spPr>
           <a:xfrm>
             <a:off x="396149" y="2298801"/>
-            <a:ext cx="6471182" cy="1866875"/>
+            <a:ext cx="6361171" cy="1835138"/>
           </a:xfrm>
           <a:prstGeom prst="rect">
             <a:avLst/>
@@ -9314,8 +9305,8 @@
         </p:blipFill>
         <p:spPr>
           <a:xfrm>
-            <a:off x="8874977" y="2332108"/>
-            <a:ext cx="2346160" cy="3111749"/>
+            <a:off x="9142097" y="3073336"/>
+            <a:ext cx="1787298" cy="2370521"/>
           </a:xfrm>
           <a:prstGeom prst="rect">
             <a:avLst/>

--- a/simple-inverse-4DOF.pptx
+++ b/simple-inverse-4DOF.pptx
@@ -5,7 +5,7 @@
     <p:sldMasterId id="2147483660" r:id="rId1"/>
   </p:sldMasterIdLst>
   <p:notesMasterIdLst>
-    <p:notesMasterId r:id="rId19"/>
+    <p:notesMasterId r:id="rId21"/>
   </p:notesMasterIdLst>
   <p:sldIdLst>
     <p:sldId id="256" r:id="rId2"/>
@@ -25,6 +25,8 @@
     <p:sldId id="266" r:id="rId16"/>
     <p:sldId id="267" r:id="rId17"/>
     <p:sldId id="285" r:id="rId18"/>
+    <p:sldId id="286" r:id="rId19"/>
+    <p:sldId id="287" r:id="rId20"/>
   </p:sldIdLst>
   <p:sldSz cx="12192000" cy="6858000"/>
   <p:notesSz cx="6858000" cy="9144000"/>
@@ -227,7 +229,7 @@
           <a:p>
             <a:fld id="{8313E79C-DFEC-4CAC-9906-4EB6BD6B840A}" type="datetimeFigureOut">
               <a:rPr lang="en-US"/>
-              <a:t>6/29/2022</a:t>
+              <a:t>7/8/2022</a:t>
             </a:fld>
             <a:endParaRPr lang="en-US"/>
           </a:p>
@@ -1024,6 +1026,102 @@
 </p:notes>
 </file>
 
+<file path=ppt/notesSlides/notesSlide15.xml><?xml version="1.0" encoding="utf-8"?>
+<p:notes xmlns:a="http://schemas.openxmlformats.org/drawingml/2006/main" xmlns:r="http://schemas.openxmlformats.org/officeDocument/2006/relationships" xmlns:p="http://schemas.openxmlformats.org/presentationml/2006/main">
+  <p:cSld>
+    <p:spTree>
+      <p:nvGrpSpPr>
+        <p:cNvPr id="1" name=""/>
+        <p:cNvGrpSpPr/>
+        <p:nvPr/>
+      </p:nvGrpSpPr>
+      <p:grpSpPr>
+        <a:xfrm>
+          <a:off x="0" y="0"/>
+          <a:ext cx="0" cy="0"/>
+          <a:chOff x="0" y="0"/>
+          <a:chExt cx="0" cy="0"/>
+        </a:xfrm>
+      </p:grpSpPr>
+      <p:sp>
+        <p:nvSpPr>
+          <p:cNvPr id="2" name="Slide Image Placeholder 1"/>
+          <p:cNvSpPr>
+            <a:spLocks noGrp="1" noRot="1" noChangeAspect="1"/>
+          </p:cNvSpPr>
+          <p:nvPr>
+            <p:ph type="sldImg"/>
+          </p:nvPr>
+        </p:nvSpPr>
+        <p:spPr/>
+      </p:sp>
+      <p:sp>
+        <p:nvSpPr>
+          <p:cNvPr id="3" name="Notes Placeholder 2"/>
+          <p:cNvSpPr>
+            <a:spLocks noGrp="1"/>
+          </p:cNvSpPr>
+          <p:nvPr>
+            <p:ph type="body" idx="1"/>
+          </p:nvPr>
+        </p:nvSpPr>
+        <p:spPr/>
+        <p:txBody>
+          <a:bodyPr/>
+          <a:lstStyle/>
+          <a:p>
+            <a:r>
+              <a:rPr lang="en-US" dirty="0"/>
+              <a:t>https://hshop.vn/products/mach-xuat-16-xung-pwmgiao-tiep-i2c </a:t>
+            </a:r>
+          </a:p>
+          <a:p>
+            <a:r>
+              <a:rPr lang="en-US" dirty="0"/>
+              <a:t>UART is single-single device while I2C and SPI can have theoretically as many as they want on a network hence these controller usually use I2C</a:t>
+            </a:r>
+          </a:p>
+          <a:p>
+            <a:endParaRPr lang="en-US" dirty="0"/>
+          </a:p>
+        </p:txBody>
+      </p:sp>
+      <p:sp>
+        <p:nvSpPr>
+          <p:cNvPr id="4" name="Slide Number Placeholder 3"/>
+          <p:cNvSpPr>
+            <a:spLocks noGrp="1"/>
+          </p:cNvSpPr>
+          <p:nvPr>
+            <p:ph type="sldNum" sz="quarter" idx="5"/>
+          </p:nvPr>
+        </p:nvSpPr>
+        <p:spPr/>
+        <p:txBody>
+          <a:bodyPr/>
+          <a:lstStyle/>
+          <a:p>
+            <a:fld id="{721C0257-D5CA-404F-BC1F-82C02866DEB9}" type="slidenum">
+              <a:rPr lang="en-US"/>
+              <a:t>19</a:t>
+            </a:fld>
+            <a:endParaRPr lang="en-US"/>
+          </a:p>
+        </p:txBody>
+      </p:sp>
+    </p:spTree>
+    <p:extLst>
+      <p:ext uri="{BB962C8B-B14F-4D97-AF65-F5344CB8AC3E}">
+        <p14:creationId xmlns:p14="http://schemas.microsoft.com/office/powerpoint/2010/main" val="701177512"/>
+      </p:ext>
+    </p:extLst>
+  </p:cSld>
+  <p:clrMapOvr>
+    <a:masterClrMapping/>
+  </p:clrMapOvr>
+</p:notes>
+</file>
+
 <file path=ppt/notesSlides/notesSlide2.xml><?xml version="1.0" encoding="utf-8"?>
 <p:notes xmlns:a="http://schemas.openxmlformats.org/drawingml/2006/main" xmlns:r="http://schemas.openxmlformats.org/officeDocument/2006/relationships" xmlns:p="http://schemas.openxmlformats.org/presentationml/2006/main">
   <p:cSld>
@@ -1887,7 +1985,7 @@
           <a:p>
             <a:fld id="{846CE7D5-CF57-46EF-B807-FDD0502418D4}" type="datetimeFigureOut">
               <a:rPr lang="en-US" smtClean="0"/>
-              <a:t>6/29/2022</a:t>
+              <a:t>7/8/2022</a:t>
             </a:fld>
             <a:endParaRPr lang="en-US"/>
           </a:p>
@@ -2057,7 +2155,7 @@
           <a:p>
             <a:fld id="{846CE7D5-CF57-46EF-B807-FDD0502418D4}" type="datetimeFigureOut">
               <a:rPr lang="en-US" smtClean="0"/>
-              <a:t>6/29/2022</a:t>
+              <a:t>7/8/2022</a:t>
             </a:fld>
             <a:endParaRPr lang="en-US"/>
           </a:p>
@@ -2237,7 +2335,7 @@
           <a:p>
             <a:fld id="{846CE7D5-CF57-46EF-B807-FDD0502418D4}" type="datetimeFigureOut">
               <a:rPr lang="en-US" smtClean="0"/>
-              <a:t>6/29/2022</a:t>
+              <a:t>7/8/2022</a:t>
             </a:fld>
             <a:endParaRPr lang="en-US"/>
           </a:p>
@@ -2407,7 +2505,7 @@
           <a:p>
             <a:fld id="{846CE7D5-CF57-46EF-B807-FDD0502418D4}" type="datetimeFigureOut">
               <a:rPr lang="en-US" smtClean="0"/>
-              <a:t>6/29/2022</a:t>
+              <a:t>7/8/2022</a:t>
             </a:fld>
             <a:endParaRPr lang="en-US"/>
           </a:p>
@@ -2653,7 +2751,7 @@
           <a:p>
             <a:fld id="{846CE7D5-CF57-46EF-B807-FDD0502418D4}" type="datetimeFigureOut">
               <a:rPr lang="en-US" smtClean="0"/>
-              <a:t>6/29/2022</a:t>
+              <a:t>7/8/2022</a:t>
             </a:fld>
             <a:endParaRPr lang="en-US"/>
           </a:p>
@@ -2885,7 +2983,7 @@
           <a:p>
             <a:fld id="{846CE7D5-CF57-46EF-B807-FDD0502418D4}" type="datetimeFigureOut">
               <a:rPr lang="en-US" smtClean="0"/>
-              <a:t>6/29/2022</a:t>
+              <a:t>7/8/2022</a:t>
             </a:fld>
             <a:endParaRPr lang="en-US"/>
           </a:p>
@@ -3252,7 +3350,7 @@
           <a:p>
             <a:fld id="{846CE7D5-CF57-46EF-B807-FDD0502418D4}" type="datetimeFigureOut">
               <a:rPr lang="en-US" smtClean="0"/>
-              <a:t>6/29/2022</a:t>
+              <a:t>7/8/2022</a:t>
             </a:fld>
             <a:endParaRPr lang="en-US"/>
           </a:p>
@@ -3370,7 +3468,7 @@
           <a:p>
             <a:fld id="{846CE7D5-CF57-46EF-B807-FDD0502418D4}" type="datetimeFigureOut">
               <a:rPr lang="en-US" smtClean="0"/>
-              <a:t>6/29/2022</a:t>
+              <a:t>7/8/2022</a:t>
             </a:fld>
             <a:endParaRPr lang="en-US"/>
           </a:p>
@@ -3465,7 +3563,7 @@
           <a:p>
             <a:fld id="{846CE7D5-CF57-46EF-B807-FDD0502418D4}" type="datetimeFigureOut">
               <a:rPr lang="en-US" smtClean="0"/>
-              <a:t>6/29/2022</a:t>
+              <a:t>7/8/2022</a:t>
             </a:fld>
             <a:endParaRPr lang="en-US"/>
           </a:p>
@@ -3742,7 +3840,7 @@
           <a:p>
             <a:fld id="{846CE7D5-CF57-46EF-B807-FDD0502418D4}" type="datetimeFigureOut">
               <a:rPr lang="en-US" smtClean="0"/>
-              <a:t>6/29/2022</a:t>
+              <a:t>7/8/2022</a:t>
             </a:fld>
             <a:endParaRPr lang="en-US"/>
           </a:p>
@@ -3999,7 +4097,7 @@
           <a:p>
             <a:fld id="{846CE7D5-CF57-46EF-B807-FDD0502418D4}" type="datetimeFigureOut">
               <a:rPr lang="en-US" smtClean="0"/>
-              <a:t>6/29/2022</a:t>
+              <a:t>7/8/2022</a:t>
             </a:fld>
             <a:endParaRPr lang="en-US"/>
           </a:p>
@@ -4212,7 +4310,7 @@
           <a:p>
             <a:fld id="{846CE7D5-CF57-46EF-B807-FDD0502418D4}" type="datetimeFigureOut">
               <a:rPr lang="en-US" smtClean="0"/>
-              <a:t>6/29/2022</a:t>
+              <a:t>7/8/2022</a:t>
             </a:fld>
             <a:endParaRPr lang="en-US"/>
           </a:p>
@@ -9317,6 +9415,1161 @@
     <p:extLst>
       <p:ext uri="{BB962C8B-B14F-4D97-AF65-F5344CB8AC3E}">
         <p14:creationId xmlns:p14="http://schemas.microsoft.com/office/powerpoint/2010/main" val="1429685286"/>
+      </p:ext>
+    </p:extLst>
+  </p:cSld>
+  <p:clrMapOvr>
+    <a:masterClrMapping/>
+  </p:clrMapOvr>
+</p:sld>
+</file>
+
+<file path=ppt/slides/slide18.xml><?xml version="1.0" encoding="utf-8"?>
+<p:sld xmlns:a="http://schemas.openxmlformats.org/drawingml/2006/main" xmlns:r="http://schemas.openxmlformats.org/officeDocument/2006/relationships" xmlns:p="http://schemas.openxmlformats.org/presentationml/2006/main">
+  <p:cSld>
+    <p:bg>
+      <p:bgPr>
+        <a:solidFill>
+          <a:schemeClr val="bg1"/>
+        </a:solidFill>
+        <a:effectLst/>
+      </p:bgPr>
+    </p:bg>
+    <p:spTree>
+      <p:nvGrpSpPr>
+        <p:cNvPr id="1" name=""/>
+        <p:cNvGrpSpPr/>
+        <p:nvPr/>
+      </p:nvGrpSpPr>
+      <p:grpSpPr>
+        <a:xfrm>
+          <a:off x="0" y="0"/>
+          <a:ext cx="0" cy="0"/>
+          <a:chOff x="0" y="0"/>
+          <a:chExt cx="0" cy="0"/>
+        </a:xfrm>
+      </p:grpSpPr>
+      <p:sp>
+        <p:nvSpPr>
+          <p:cNvPr id="18" name="Rectangle 17">
+            <a:extLst>
+              <a:ext uri="{FF2B5EF4-FFF2-40B4-BE49-F238E27FC236}">
+                <a16:creationId xmlns:a16="http://schemas.microsoft.com/office/drawing/2014/main" id="{C0B27210-D0CA-4654-B3E3-9ABB4F178EA1}"/>
+              </a:ext>
+              <a:ext uri="{C183D7F6-B498-43B3-948B-1728B52AA6E4}">
+                <adec:decorative xmlns:adec="http://schemas.microsoft.com/office/drawing/2017/decorative" val="1"/>
+              </a:ext>
+            </a:extLst>
+          </p:cNvPr>
+          <p:cNvSpPr>
+            <a:spLocks noGrp="1" noRot="1" noChangeAspect="1" noMove="1" noResize="1" noEditPoints="1" noAdjustHandles="1" noChangeArrowheads="1" noChangeShapeType="1" noTextEdit="1"/>
+          </p:cNvSpPr>
+          <p:nvPr>
+            <p:extLst>
+              <p:ext uri="{386F3935-93C4-4BCD-93E2-E3B085C9AB24}">
+                <p16:designElem xmlns:p16="http://schemas.microsoft.com/office/powerpoint/2015/main" val="1"/>
+              </p:ext>
+            </p:extLst>
+          </p:nvPr>
+        </p:nvSpPr>
+        <p:spPr>
+          <a:xfrm>
+            <a:off x="0" y="0"/>
+            <a:ext cx="12192000" cy="6858000"/>
+          </a:xfrm>
+          <a:prstGeom prst="rect">
+            <a:avLst/>
+          </a:prstGeom>
+          <a:solidFill>
+            <a:schemeClr val="tx1">
+              <a:lumMod val="75000"/>
+              <a:lumOff val="25000"/>
+            </a:schemeClr>
+          </a:solidFill>
+          <a:ln>
+            <a:noFill/>
+          </a:ln>
+        </p:spPr>
+        <p:style>
+          <a:lnRef idx="2">
+            <a:schemeClr val="accent1">
+              <a:shade val="50000"/>
+            </a:schemeClr>
+          </a:lnRef>
+          <a:fillRef idx="1">
+            <a:schemeClr val="accent1"/>
+          </a:fillRef>
+          <a:effectRef idx="0">
+            <a:schemeClr val="accent1"/>
+          </a:effectRef>
+          <a:fontRef idx="minor">
+            <a:schemeClr val="lt1"/>
+          </a:fontRef>
+        </p:style>
+        <p:txBody>
+          <a:bodyPr rtlCol="0" anchor="ctr"/>
+          <a:lstStyle/>
+          <a:p>
+            <a:pPr algn="ctr"/>
+            <a:endParaRPr lang="en-US"/>
+          </a:p>
+        </p:txBody>
+      </p:sp>
+      <p:sp>
+        <p:nvSpPr>
+          <p:cNvPr id="2" name="TextBox 1">
+            <a:extLst>
+              <a:ext uri="{FF2B5EF4-FFF2-40B4-BE49-F238E27FC236}">
+                <a16:creationId xmlns:a16="http://schemas.microsoft.com/office/drawing/2014/main" id="{44C58934-02E7-41AF-BBD3-5FF8CD69223E}"/>
+              </a:ext>
+            </a:extLst>
+          </p:cNvPr>
+          <p:cNvSpPr txBox="1"/>
+          <p:nvPr/>
+        </p:nvSpPr>
+        <p:spPr>
+          <a:xfrm>
+            <a:off x="6443781" y="1783959"/>
+            <a:ext cx="4058501" cy="2889114"/>
+          </a:xfrm>
+          <a:prstGeom prst="rect">
+            <a:avLst/>
+          </a:prstGeom>
+        </p:spPr>
+        <p:txBody>
+          <a:bodyPr rot="0" spcFirstLastPara="0" vertOverflow="overflow" horzOverflow="overflow" vert="horz" lIns="91440" tIns="45720" rIns="91440" bIns="45720" numCol="1" spcCol="0" rtlCol="0" fromWordArt="0" anchor="b" anchorCtr="0" forceAA="0" compatLnSpc="1">
+            <a:prstTxWarp prst="textNoShape">
+              <a:avLst/>
+            </a:prstTxWarp>
+            <a:normAutofit/>
+          </a:bodyPr>
+          <a:lstStyle/>
+          <a:p>
+            <a:pPr>
+              <a:lnSpc>
+                <a:spcPct val="90000"/>
+              </a:lnSpc>
+              <a:spcBef>
+                <a:spcPct val="0"/>
+              </a:spcBef>
+              <a:spcAft>
+                <a:spcPts val="600"/>
+              </a:spcAft>
+            </a:pPr>
+            <a:r>
+              <a:rPr lang="en-US" sz="5400" b="1" kern="1200" dirty="0">
+                <a:solidFill>
+                  <a:schemeClr val="bg1"/>
+                </a:solidFill>
+                <a:latin typeface="AngsanaUPC"/>
+                <a:ea typeface="+mj-ea"/>
+                <a:cs typeface="AngsanaUPC"/>
+              </a:rPr>
+              <a:t>4. </a:t>
+            </a:r>
+            <a:r>
+              <a:rPr lang="en-US" sz="5400" b="1" dirty="0">
+                <a:solidFill>
+                  <a:schemeClr val="bg1"/>
+                </a:solidFill>
+                <a:latin typeface="AngsanaUPC"/>
+                <a:ea typeface="+mj-ea"/>
+                <a:cs typeface="AngsanaUPC"/>
+              </a:rPr>
+              <a:t>Implementation</a:t>
+            </a:r>
+            <a:endParaRPr lang="en-US" sz="5400" b="1" kern="1200" dirty="0">
+              <a:solidFill>
+                <a:srgbClr val="FF0000"/>
+              </a:solidFill>
+              <a:latin typeface="AngsanaUPC"/>
+              <a:ea typeface="+mj-ea"/>
+              <a:cs typeface="AngsanaUPC"/>
+            </a:endParaRPr>
+          </a:p>
+        </p:txBody>
+      </p:sp>
+      <p:sp>
+        <p:nvSpPr>
+          <p:cNvPr id="20" name="Freeform: Shape 19">
+            <a:extLst>
+              <a:ext uri="{FF2B5EF4-FFF2-40B4-BE49-F238E27FC236}">
+                <a16:creationId xmlns:a16="http://schemas.microsoft.com/office/drawing/2014/main" id="{1DB7C82F-AB7E-4F0C-B829-FA1B9C415180}"/>
+              </a:ext>
+              <a:ext uri="{C183D7F6-B498-43B3-948B-1728B52AA6E4}">
+                <adec:decorative xmlns:adec="http://schemas.microsoft.com/office/drawing/2017/decorative" val="1"/>
+              </a:ext>
+            </a:extLst>
+          </p:cNvPr>
+          <p:cNvSpPr>
+            <a:spLocks noGrp="1" noRot="1" noChangeAspect="1" noMove="1" noResize="1" noEditPoints="1" noAdjustHandles="1" noChangeArrowheads="1" noChangeShapeType="1" noTextEdit="1"/>
+          </p:cNvSpPr>
+          <p:nvPr>
+            <p:extLst>
+              <p:ext uri="{386F3935-93C4-4BCD-93E2-E3B085C9AB24}">
+                <p16:designElem xmlns:p16="http://schemas.microsoft.com/office/powerpoint/2015/main" val="1"/>
+              </p:ext>
+            </p:extLst>
+          </p:nvPr>
+        </p:nvSpPr>
+        <p:spPr>
+          <a:xfrm flipH="1">
+            <a:off x="0" y="0"/>
+            <a:ext cx="6172782" cy="6858000"/>
+          </a:xfrm>
+          <a:custGeom>
+            <a:avLst/>
+            <a:gdLst>
+              <a:gd name="connsiteX0" fmla="*/ 6172782 w 6172782"/>
+              <a:gd name="connsiteY0" fmla="*/ 0 h 6858000"/>
+              <a:gd name="connsiteX1" fmla="*/ 69075 w 6172782"/>
+              <a:gd name="connsiteY1" fmla="*/ 0 h 6858000"/>
+              <a:gd name="connsiteX2" fmla="*/ 35131 w 6172782"/>
+              <a:gd name="connsiteY2" fmla="*/ 267128 h 6858000"/>
+              <a:gd name="connsiteX3" fmla="*/ 0 w 6172782"/>
+              <a:gd name="connsiteY3" fmla="*/ 962845 h 6858000"/>
+              <a:gd name="connsiteX4" fmla="*/ 3276103 w 6172782"/>
+              <a:gd name="connsiteY4" fmla="*/ 6782205 h 6858000"/>
+              <a:gd name="connsiteX5" fmla="*/ 3407923 w 6172782"/>
+              <a:gd name="connsiteY5" fmla="*/ 6858000 h 6858000"/>
+              <a:gd name="connsiteX6" fmla="*/ 6172782 w 6172782"/>
+              <a:gd name="connsiteY6" fmla="*/ 6858000 h 6858000"/>
+            </a:gdLst>
+            <a:ahLst/>
+            <a:cxnLst>
+              <a:cxn ang="0">
+                <a:pos x="connsiteX0" y="connsiteY0"/>
+              </a:cxn>
+              <a:cxn ang="0">
+                <a:pos x="connsiteX1" y="connsiteY1"/>
+              </a:cxn>
+              <a:cxn ang="0">
+                <a:pos x="connsiteX2" y="connsiteY2"/>
+              </a:cxn>
+              <a:cxn ang="0">
+                <a:pos x="connsiteX3" y="connsiteY3"/>
+              </a:cxn>
+              <a:cxn ang="0">
+                <a:pos x="connsiteX4" y="connsiteY4"/>
+              </a:cxn>
+              <a:cxn ang="0">
+                <a:pos x="connsiteX5" y="connsiteY5"/>
+              </a:cxn>
+              <a:cxn ang="0">
+                <a:pos x="connsiteX6" y="connsiteY6"/>
+              </a:cxn>
+            </a:cxnLst>
+            <a:rect l="l" t="t" r="r" b="b"/>
+            <a:pathLst>
+              <a:path w="6172782" h="6858000">
+                <a:moveTo>
+                  <a:pt x="6172782" y="0"/>
+                </a:moveTo>
+                <a:lnTo>
+                  <a:pt x="69075" y="0"/>
+                </a:lnTo>
+                <a:lnTo>
+                  <a:pt x="35131" y="267128"/>
+                </a:lnTo>
+                <a:cubicBezTo>
+                  <a:pt x="11901" y="495874"/>
+                  <a:pt x="0" y="727970"/>
+                  <a:pt x="0" y="962845"/>
+                </a:cubicBezTo>
+                <a:cubicBezTo>
+                  <a:pt x="0" y="3429034"/>
+                  <a:pt x="1312002" y="5588789"/>
+                  <a:pt x="3276103" y="6782205"/>
+                </a:cubicBezTo>
+                <a:lnTo>
+                  <a:pt x="3407923" y="6858000"/>
+                </a:lnTo>
+                <a:lnTo>
+                  <a:pt x="6172782" y="6858000"/>
+                </a:lnTo>
+                <a:close/>
+              </a:path>
+            </a:pathLst>
+          </a:custGeom>
+          <a:solidFill>
+            <a:schemeClr val="bg1">
+              <a:alpha val="80000"/>
+            </a:schemeClr>
+          </a:solidFill>
+          <a:ln>
+            <a:noFill/>
+          </a:ln>
+        </p:spPr>
+        <p:style>
+          <a:lnRef idx="2">
+            <a:schemeClr val="accent1">
+              <a:shade val="50000"/>
+            </a:schemeClr>
+          </a:lnRef>
+          <a:fillRef idx="1">
+            <a:schemeClr val="accent1"/>
+          </a:fillRef>
+          <a:effectRef idx="0">
+            <a:schemeClr val="accent1"/>
+          </a:effectRef>
+          <a:fontRef idx="minor">
+            <a:schemeClr val="lt1"/>
+          </a:fontRef>
+        </p:style>
+        <p:txBody>
+          <a:bodyPr wrap="square" rtlCol="0" anchor="ctr">
+            <a:noAutofit/>
+          </a:bodyPr>
+          <a:lstStyle/>
+          <a:p>
+            <a:pPr marL="0" marR="0" lvl="0" indent="0" algn="ctr" defTabSz="914400" rtl="0" eaLnBrk="1" fontAlgn="auto" latinLnBrk="0" hangingPunct="1">
+              <a:lnSpc>
+                <a:spcPct val="100000"/>
+              </a:lnSpc>
+              <a:spcBef>
+                <a:spcPts val="0"/>
+              </a:spcBef>
+              <a:spcAft>
+                <a:spcPts val="0"/>
+              </a:spcAft>
+              <a:buClrTx/>
+              <a:buSzTx/>
+              <a:buFontTx/>
+              <a:buNone/>
+              <a:tabLst/>
+              <a:defRPr/>
+            </a:pPr>
+            <a:endParaRPr kumimoji="0" lang="en-US" sz="1800" b="0" i="0" u="none" strike="noStrike" kern="1200" cap="none" spc="0" normalizeH="0" baseline="0" noProof="0">
+              <a:ln>
+                <a:noFill/>
+              </a:ln>
+              <a:solidFill>
+                <a:prstClr val="white"/>
+              </a:solidFill>
+              <a:effectLst/>
+              <a:uLnTx/>
+              <a:uFillTx/>
+              <a:latin typeface="Calibri" panose="020F0502020204030204"/>
+              <a:ea typeface="+mn-ea"/>
+              <a:cs typeface="+mn-cs"/>
+            </a:endParaRPr>
+          </a:p>
+        </p:txBody>
+      </p:sp>
+      <p:sp>
+        <p:nvSpPr>
+          <p:cNvPr id="22" name="Freeform: Shape 21">
+            <a:extLst>
+              <a:ext uri="{FF2B5EF4-FFF2-40B4-BE49-F238E27FC236}">
+                <a16:creationId xmlns:a16="http://schemas.microsoft.com/office/drawing/2014/main" id="{70B66945-4967-4040-926D-DCA44313CDAB}"/>
+              </a:ext>
+              <a:ext uri="{C183D7F6-B498-43B3-948B-1728B52AA6E4}">
+                <adec:decorative xmlns:adec="http://schemas.microsoft.com/office/drawing/2017/decorative" val="1"/>
+              </a:ext>
+            </a:extLst>
+          </p:cNvPr>
+          <p:cNvSpPr>
+            <a:spLocks noGrp="1" noRot="1" noChangeAspect="1" noMove="1" noResize="1" noEditPoints="1" noAdjustHandles="1" noChangeArrowheads="1" noChangeShapeType="1" noTextEdit="1"/>
+          </p:cNvSpPr>
+          <p:nvPr>
+            <p:extLst>
+              <p:ext uri="{386F3935-93C4-4BCD-93E2-E3B085C9AB24}">
+                <p16:designElem xmlns:p16="http://schemas.microsoft.com/office/powerpoint/2015/main" val="1"/>
+              </p:ext>
+            </p:extLst>
+          </p:nvPr>
+        </p:nvSpPr>
+        <p:spPr>
+          <a:xfrm>
+            <a:off x="0" y="0"/>
+            <a:ext cx="6024154" cy="6858000"/>
+          </a:xfrm>
+          <a:custGeom>
+            <a:avLst/>
+            <a:gdLst>
+              <a:gd name="connsiteX0" fmla="*/ 0 w 6024154"/>
+              <a:gd name="connsiteY0" fmla="*/ 0 h 6858000"/>
+              <a:gd name="connsiteX1" fmla="*/ 5953780 w 6024154"/>
+              <a:gd name="connsiteY1" fmla="*/ 0 h 6858000"/>
+              <a:gd name="connsiteX2" fmla="*/ 5989880 w 6024154"/>
+              <a:gd name="connsiteY2" fmla="*/ 284091 h 6858000"/>
+              <a:gd name="connsiteX3" fmla="*/ 6024154 w 6024154"/>
+              <a:gd name="connsiteY3" fmla="*/ 962844 h 6858000"/>
+              <a:gd name="connsiteX4" fmla="*/ 2549934 w 6024154"/>
+              <a:gd name="connsiteY4" fmla="*/ 6800152 h 6858000"/>
+              <a:gd name="connsiteX5" fmla="*/ 2436987 w 6024154"/>
+              <a:gd name="connsiteY5" fmla="*/ 6858000 h 6858000"/>
+              <a:gd name="connsiteX6" fmla="*/ 0 w 6024154"/>
+              <a:gd name="connsiteY6" fmla="*/ 6858000 h 6858000"/>
+            </a:gdLst>
+            <a:ahLst/>
+            <a:cxnLst>
+              <a:cxn ang="0">
+                <a:pos x="connsiteX0" y="connsiteY0"/>
+              </a:cxn>
+              <a:cxn ang="0">
+                <a:pos x="connsiteX1" y="connsiteY1"/>
+              </a:cxn>
+              <a:cxn ang="0">
+                <a:pos x="connsiteX2" y="connsiteY2"/>
+              </a:cxn>
+              <a:cxn ang="0">
+                <a:pos x="connsiteX3" y="connsiteY3"/>
+              </a:cxn>
+              <a:cxn ang="0">
+                <a:pos x="connsiteX4" y="connsiteY4"/>
+              </a:cxn>
+              <a:cxn ang="0">
+                <a:pos x="connsiteX5" y="connsiteY5"/>
+              </a:cxn>
+              <a:cxn ang="0">
+                <a:pos x="connsiteX6" y="connsiteY6"/>
+              </a:cxn>
+            </a:cxnLst>
+            <a:rect l="l" t="t" r="r" b="b"/>
+            <a:pathLst>
+              <a:path w="6024154" h="6858000">
+                <a:moveTo>
+                  <a:pt x="0" y="0"/>
+                </a:moveTo>
+                <a:lnTo>
+                  <a:pt x="5953780" y="0"/>
+                </a:lnTo>
+                <a:lnTo>
+                  <a:pt x="5989880" y="284091"/>
+                </a:lnTo>
+                <a:cubicBezTo>
+                  <a:pt x="6012544" y="507260"/>
+                  <a:pt x="6024154" y="733696"/>
+                  <a:pt x="6024154" y="962844"/>
+                </a:cubicBezTo>
+                <a:cubicBezTo>
+                  <a:pt x="6024154" y="3483472"/>
+                  <a:pt x="4619336" y="5675986"/>
+                  <a:pt x="2549934" y="6800152"/>
+                </a:cubicBezTo>
+                <a:lnTo>
+                  <a:pt x="2436987" y="6858000"/>
+                </a:lnTo>
+                <a:lnTo>
+                  <a:pt x="0" y="6858000"/>
+                </a:lnTo>
+                <a:close/>
+              </a:path>
+            </a:pathLst>
+          </a:custGeom>
+          <a:solidFill>
+            <a:schemeClr val="bg1"/>
+          </a:solidFill>
+          <a:ln>
+            <a:noFill/>
+          </a:ln>
+        </p:spPr>
+        <p:style>
+          <a:lnRef idx="2">
+            <a:schemeClr val="accent1">
+              <a:shade val="50000"/>
+            </a:schemeClr>
+          </a:lnRef>
+          <a:fillRef idx="1">
+            <a:schemeClr val="accent1"/>
+          </a:fillRef>
+          <a:effectRef idx="0">
+            <a:schemeClr val="accent1"/>
+          </a:effectRef>
+          <a:fontRef idx="minor">
+            <a:schemeClr val="lt1"/>
+          </a:fontRef>
+        </p:style>
+        <p:txBody>
+          <a:bodyPr wrap="square" rtlCol="0" anchor="ctr">
+            <a:noAutofit/>
+          </a:bodyPr>
+          <a:lstStyle/>
+          <a:p>
+            <a:pPr marL="0" marR="0" lvl="0" indent="0" algn="ctr" defTabSz="914400" rtl="0" eaLnBrk="1" fontAlgn="auto" latinLnBrk="0" hangingPunct="1">
+              <a:lnSpc>
+                <a:spcPct val="100000"/>
+              </a:lnSpc>
+              <a:spcBef>
+                <a:spcPts val="0"/>
+              </a:spcBef>
+              <a:spcAft>
+                <a:spcPts val="0"/>
+              </a:spcAft>
+              <a:buClrTx/>
+              <a:buSzTx/>
+              <a:buFontTx/>
+              <a:buNone/>
+              <a:tabLst/>
+              <a:defRPr/>
+            </a:pPr>
+            <a:endParaRPr kumimoji="0" lang="en-US" sz="1800" b="0" i="0" u="none" strike="noStrike" kern="1200" cap="none" spc="0" normalizeH="0" baseline="0" noProof="0">
+              <a:ln>
+                <a:noFill/>
+              </a:ln>
+              <a:solidFill>
+                <a:prstClr val="white"/>
+              </a:solidFill>
+              <a:effectLst/>
+              <a:uLnTx/>
+              <a:uFillTx/>
+              <a:latin typeface="Calibri" panose="020F0502020204030204"/>
+              <a:ea typeface="+mn-ea"/>
+              <a:cs typeface="+mn-cs"/>
+            </a:endParaRPr>
+          </a:p>
+        </p:txBody>
+      </p:sp>
+      <p:pic>
+        <p:nvPicPr>
+          <p:cNvPr id="6" name="Graphic 5" descr="Dictionary">
+            <a:extLst>
+              <a:ext uri="{FF2B5EF4-FFF2-40B4-BE49-F238E27FC236}">
+                <a16:creationId xmlns:a16="http://schemas.microsoft.com/office/drawing/2014/main" id="{65EAAF50-39E6-4E28-A03B-CB1319142B37}"/>
+              </a:ext>
+            </a:extLst>
+          </p:cNvPr>
+          <p:cNvPicPr>
+            <a:picLocks noChangeAspect="1"/>
+          </p:cNvPicPr>
+          <p:nvPr/>
+        </p:nvPicPr>
+        <p:blipFill>
+          <a:blip r:embed="rId2">
+            <a:extLst>
+              <a:ext uri="{28A0092B-C50C-407E-A947-70E740481C1C}">
+                <a14:useLocalDpi xmlns:a14="http://schemas.microsoft.com/office/drawing/2010/main" val="0"/>
+              </a:ext>
+              <a:ext uri="{96DAC541-7B7A-43D3-8B79-37D633B846F1}">
+                <asvg:svgBlip xmlns:asvg="http://schemas.microsoft.com/office/drawing/2016/SVG/main" r:embed="rId3"/>
+              </a:ext>
+            </a:extLst>
+          </a:blip>
+          <a:stretch>
+            <a:fillRect/>
+          </a:stretch>
+        </p:blipFill>
+        <p:spPr>
+          <a:xfrm>
+            <a:off x="419382" y="720993"/>
+            <a:ext cx="4047843" cy="4047843"/>
+          </a:xfrm>
+          <a:prstGeom prst="rect">
+            <a:avLst/>
+          </a:prstGeom>
+        </p:spPr>
+      </p:pic>
+    </p:spTree>
+    <p:extLst>
+      <p:ext uri="{BB962C8B-B14F-4D97-AF65-F5344CB8AC3E}">
+        <p14:creationId xmlns:p14="http://schemas.microsoft.com/office/powerpoint/2010/main" val="1215672008"/>
+      </p:ext>
+    </p:extLst>
+  </p:cSld>
+  <p:clrMapOvr>
+    <a:masterClrMapping/>
+  </p:clrMapOvr>
+</p:sld>
+</file>
+
+<file path=ppt/slides/slide19.xml><?xml version="1.0" encoding="utf-8"?>
+<p:sld xmlns:a="http://schemas.openxmlformats.org/drawingml/2006/main" xmlns:r="http://schemas.openxmlformats.org/officeDocument/2006/relationships" xmlns:p="http://schemas.openxmlformats.org/presentationml/2006/main">
+  <p:cSld>
+    <p:bg>
+      <p:bgPr>
+        <a:solidFill>
+          <a:schemeClr val="bg1"/>
+        </a:solidFill>
+        <a:effectLst/>
+      </p:bgPr>
+    </p:bg>
+    <p:spTree>
+      <p:nvGrpSpPr>
+        <p:cNvPr id="1" name=""/>
+        <p:cNvGrpSpPr/>
+        <p:nvPr/>
+      </p:nvGrpSpPr>
+      <p:grpSpPr>
+        <a:xfrm>
+          <a:off x="0" y="0"/>
+          <a:ext cx="0" cy="0"/>
+          <a:chOff x="0" y="0"/>
+          <a:chExt cx="0" cy="0"/>
+        </a:xfrm>
+      </p:grpSpPr>
+      <p:sp>
+        <p:nvSpPr>
+          <p:cNvPr id="8" name="Rectangle 7">
+            <a:extLst>
+              <a:ext uri="{FF2B5EF4-FFF2-40B4-BE49-F238E27FC236}">
+                <a16:creationId xmlns:a16="http://schemas.microsoft.com/office/drawing/2014/main" id="{70DFC902-7D23-471A-B557-B6B6917D7A0D}"/>
+              </a:ext>
+              <a:ext uri="{C183D7F6-B498-43B3-948B-1728B52AA6E4}">
+                <adec:decorative xmlns:adec="http://schemas.microsoft.com/office/drawing/2017/decorative" val="1"/>
+              </a:ext>
+            </a:extLst>
+          </p:cNvPr>
+          <p:cNvSpPr>
+            <a:spLocks noGrp="1" noRot="1" noChangeAspect="1" noMove="1" noResize="1" noEditPoints="1" noAdjustHandles="1" noChangeArrowheads="1" noChangeShapeType="1" noTextEdit="1"/>
+          </p:cNvSpPr>
+          <p:nvPr>
+            <p:extLst>
+              <p:ext uri="{386F3935-93C4-4BCD-93E2-E3B085C9AB24}">
+                <p16:designElem xmlns:p16="http://schemas.microsoft.com/office/powerpoint/2015/main" val="1"/>
+              </p:ext>
+            </p:extLst>
+          </p:nvPr>
+        </p:nvSpPr>
+        <p:spPr>
+          <a:xfrm>
+            <a:off x="10" y="-5705"/>
+            <a:ext cx="12191990" cy="1694346"/>
+          </a:xfrm>
+          <a:prstGeom prst="rect">
+            <a:avLst/>
+          </a:prstGeom>
+          <a:solidFill>
+            <a:schemeClr val="tx1">
+              <a:lumMod val="85000"/>
+              <a:lumOff val="15000"/>
+            </a:schemeClr>
+          </a:solidFill>
+          <a:ln>
+            <a:noFill/>
+          </a:ln>
+        </p:spPr>
+        <p:style>
+          <a:lnRef idx="2">
+            <a:schemeClr val="accent1">
+              <a:shade val="50000"/>
+            </a:schemeClr>
+          </a:lnRef>
+          <a:fillRef idx="1">
+            <a:schemeClr val="accent1"/>
+          </a:fillRef>
+          <a:effectRef idx="0">
+            <a:schemeClr val="accent1"/>
+          </a:effectRef>
+          <a:fontRef idx="minor">
+            <a:schemeClr val="lt1"/>
+          </a:fontRef>
+        </p:style>
+        <p:txBody>
+          <a:bodyPr rtlCol="0" anchor="ctr"/>
+          <a:lstStyle/>
+          <a:p>
+            <a:pPr algn="ctr"/>
+            <a:endParaRPr lang="en-US"/>
+          </a:p>
+        </p:txBody>
+      </p:sp>
+      <p:sp>
+        <p:nvSpPr>
+          <p:cNvPr id="2" name="Title 1">
+            <a:extLst>
+              <a:ext uri="{FF2B5EF4-FFF2-40B4-BE49-F238E27FC236}">
+                <a16:creationId xmlns:a16="http://schemas.microsoft.com/office/drawing/2014/main" id="{10E287DC-2A64-432A-9184-6849E56EDAC7}"/>
+              </a:ext>
+            </a:extLst>
+          </p:cNvPr>
+          <p:cNvSpPr>
+            <a:spLocks noGrp="1"/>
+          </p:cNvSpPr>
+          <p:nvPr>
+            <p:ph type="title"/>
+          </p:nvPr>
+        </p:nvSpPr>
+        <p:spPr>
+          <a:xfrm>
+            <a:off x="1156851" y="637762"/>
+            <a:ext cx="9888496" cy="900131"/>
+          </a:xfrm>
+        </p:spPr>
+        <p:txBody>
+          <a:bodyPr anchor="t">
+            <a:normAutofit/>
+          </a:bodyPr>
+          <a:lstStyle/>
+          <a:p>
+            <a:r>
+              <a:rPr lang="en-US" sz="4000" dirty="0">
+                <a:solidFill>
+                  <a:schemeClr val="bg1"/>
+                </a:solidFill>
+                <a:cs typeface="Calibri Light"/>
+              </a:rPr>
+              <a:t>4.1 Implementation</a:t>
+            </a:r>
+            <a:endParaRPr lang="en-US" sz="4000" b="1" dirty="0">
+              <a:solidFill>
+                <a:schemeClr val="bg1"/>
+              </a:solidFill>
+              <a:ea typeface="+mj-lt"/>
+              <a:cs typeface="+mj-lt"/>
+            </a:endParaRPr>
+          </a:p>
+        </p:txBody>
+      </p:sp>
+      <p:sp>
+        <p:nvSpPr>
+          <p:cNvPr id="10" name="Rectangle 9">
+            <a:extLst>
+              <a:ext uri="{FF2B5EF4-FFF2-40B4-BE49-F238E27FC236}">
+                <a16:creationId xmlns:a16="http://schemas.microsoft.com/office/drawing/2014/main" id="{A55D5633-D557-4DCA-982C-FF36EB7A1C00}"/>
+              </a:ext>
+              <a:ext uri="{C183D7F6-B498-43B3-948B-1728B52AA6E4}">
+                <adec:decorative xmlns:adec="http://schemas.microsoft.com/office/drawing/2017/decorative" val="1"/>
+              </a:ext>
+            </a:extLst>
+          </p:cNvPr>
+          <p:cNvSpPr>
+            <a:spLocks noGrp="1" noRot="1" noChangeAspect="1" noMove="1" noResize="1" noEditPoints="1" noAdjustHandles="1" noChangeArrowheads="1" noChangeShapeType="1" noTextEdit="1"/>
+          </p:cNvSpPr>
+          <p:nvPr>
+            <p:extLst>
+              <p:ext uri="{386F3935-93C4-4BCD-93E2-E3B085C9AB24}">
+                <p16:designElem xmlns:p16="http://schemas.microsoft.com/office/powerpoint/2015/main" val="1"/>
+              </p:ext>
+            </p:extLst>
+          </p:nvPr>
+        </p:nvSpPr>
+        <p:spPr>
+          <a:xfrm>
+            <a:off x="0" y="1688641"/>
+            <a:ext cx="12191990" cy="5169359"/>
+          </a:xfrm>
+          <a:prstGeom prst="rect">
+            <a:avLst/>
+          </a:prstGeom>
+          <a:solidFill>
+            <a:schemeClr val="bg1">
+              <a:lumMod val="95000"/>
+            </a:schemeClr>
+          </a:solidFill>
+          <a:ln>
+            <a:noFill/>
+          </a:ln>
+        </p:spPr>
+        <p:style>
+          <a:lnRef idx="2">
+            <a:schemeClr val="accent1">
+              <a:shade val="50000"/>
+            </a:schemeClr>
+          </a:lnRef>
+          <a:fillRef idx="1">
+            <a:schemeClr val="accent1"/>
+          </a:fillRef>
+          <a:effectRef idx="0">
+            <a:schemeClr val="accent1"/>
+          </a:effectRef>
+          <a:fontRef idx="minor">
+            <a:schemeClr val="lt1"/>
+          </a:fontRef>
+        </p:style>
+        <p:txBody>
+          <a:bodyPr rtlCol="0" anchor="ctr"/>
+          <a:lstStyle/>
+          <a:p>
+            <a:pPr algn="ctr"/>
+            <a:endParaRPr lang="en-US"/>
+          </a:p>
+        </p:txBody>
+      </p:sp>
+      <p:sp>
+        <p:nvSpPr>
+          <p:cNvPr id="12" name="Rectangle 11">
+            <a:extLst>
+              <a:ext uri="{FF2B5EF4-FFF2-40B4-BE49-F238E27FC236}">
+                <a16:creationId xmlns:a16="http://schemas.microsoft.com/office/drawing/2014/main" id="{450D3AD2-FA80-415F-A9CE-54D884561CD7}"/>
+              </a:ext>
+              <a:ext uri="{C183D7F6-B498-43B3-948B-1728B52AA6E4}">
+                <adec:decorative xmlns:adec="http://schemas.microsoft.com/office/drawing/2017/decorative" val="1"/>
+              </a:ext>
+            </a:extLst>
+          </p:cNvPr>
+          <p:cNvSpPr>
+            <a:spLocks noGrp="1" noRot="1" noChangeAspect="1" noMove="1" noResize="1" noEditPoints="1" noAdjustHandles="1" noChangeArrowheads="1" noChangeShapeType="1" noTextEdit="1"/>
+          </p:cNvSpPr>
+          <p:nvPr>
+            <p:extLst>
+              <p:ext uri="{386F3935-93C4-4BCD-93E2-E3B085C9AB24}">
+                <p16:designElem xmlns:p16="http://schemas.microsoft.com/office/powerpoint/2015/main" val="1"/>
+              </p:ext>
+            </p:extLst>
+          </p:nvPr>
+        </p:nvSpPr>
+        <p:spPr>
+          <a:xfrm>
+            <a:off x="1156851" y="2010758"/>
+            <a:ext cx="457190" cy="45719"/>
+          </a:xfrm>
+          <a:prstGeom prst="rect">
+            <a:avLst/>
+          </a:prstGeom>
+          <a:solidFill>
+            <a:schemeClr val="tx1"/>
+          </a:solidFill>
+          <a:ln>
+            <a:noFill/>
+          </a:ln>
+        </p:spPr>
+        <p:style>
+          <a:lnRef idx="2">
+            <a:schemeClr val="accent1">
+              <a:shade val="50000"/>
+            </a:schemeClr>
+          </a:lnRef>
+          <a:fillRef idx="1">
+            <a:schemeClr val="accent1"/>
+          </a:fillRef>
+          <a:effectRef idx="0">
+            <a:schemeClr val="accent1"/>
+          </a:effectRef>
+          <a:fontRef idx="minor">
+            <a:schemeClr val="lt1"/>
+          </a:fontRef>
+        </p:style>
+        <p:txBody>
+          <a:bodyPr rtlCol="0" anchor="ctr"/>
+          <a:lstStyle/>
+          <a:p>
+            <a:pPr algn="ctr"/>
+            <a:endParaRPr lang="en-US"/>
+          </a:p>
+        </p:txBody>
+      </p:sp>
+      <p:sp>
+        <p:nvSpPr>
+          <p:cNvPr id="3" name="Content Placeholder 2">
+            <a:extLst>
+              <a:ext uri="{FF2B5EF4-FFF2-40B4-BE49-F238E27FC236}">
+                <a16:creationId xmlns:a16="http://schemas.microsoft.com/office/drawing/2014/main" id="{682F7AF7-67FB-4A64-8577-D4DB893ACCD2}"/>
+              </a:ext>
+            </a:extLst>
+          </p:cNvPr>
+          <p:cNvSpPr>
+            <a:spLocks noGrp="1"/>
+          </p:cNvSpPr>
+          <p:nvPr>
+            <p:ph idx="1"/>
+          </p:nvPr>
+        </p:nvSpPr>
+        <p:spPr>
+          <a:xfrm>
+            <a:off x="1267060" y="2217343"/>
+            <a:ext cx="9880893" cy="4366596"/>
+          </a:xfrm>
+        </p:spPr>
+        <p:txBody>
+          <a:bodyPr vert="horz" lIns="91440" tIns="45720" rIns="91440" bIns="45720" rtlCol="0" anchor="t">
+            <a:normAutofit/>
+          </a:bodyPr>
+          <a:lstStyle/>
+          <a:p>
+            <a:r>
+              <a:rPr lang="en-US" sz="2000" dirty="0">
+                <a:ea typeface="+mn-lt"/>
+                <a:cs typeface="+mn-lt"/>
+              </a:rPr>
+              <a:t>Get </a:t>
+            </a:r>
+            <a:r>
+              <a:rPr lang="en-US" sz="2000" b="1" dirty="0">
+                <a:solidFill>
+                  <a:srgbClr val="FF0000"/>
+                </a:solidFill>
+                <a:ea typeface="+mn-lt"/>
+                <a:cs typeface="+mn-lt"/>
+              </a:rPr>
+              <a:t>Joint Angle </a:t>
+            </a:r>
+            <a:r>
+              <a:rPr lang="en-US" sz="2000" dirty="0">
+                <a:ea typeface="+mn-lt"/>
+                <a:cs typeface="+mn-lt"/>
+              </a:rPr>
+              <a:t>-&gt; Translate to </a:t>
+            </a:r>
+            <a:r>
+              <a:rPr lang="en-US" sz="2000" b="1" dirty="0">
+                <a:solidFill>
+                  <a:srgbClr val="FF0000"/>
+                </a:solidFill>
+                <a:ea typeface="+mn-lt"/>
+                <a:cs typeface="+mn-lt"/>
+              </a:rPr>
+              <a:t>PWM</a:t>
+            </a:r>
+            <a:r>
+              <a:rPr lang="en-US" sz="2000" dirty="0">
+                <a:ea typeface="+mn-lt"/>
+                <a:cs typeface="+mn-lt"/>
+              </a:rPr>
+              <a:t> -&gt; Command desired PWM to the </a:t>
+            </a:r>
+            <a:r>
+              <a:rPr lang="en-US" sz="2000" b="1" dirty="0">
+                <a:solidFill>
+                  <a:srgbClr val="FF0000"/>
+                </a:solidFill>
+                <a:ea typeface="+mn-lt"/>
+                <a:cs typeface="+mn-lt"/>
+              </a:rPr>
+              <a:t>controller</a:t>
+            </a:r>
+            <a:r>
+              <a:rPr lang="en-US" sz="2000" dirty="0">
+                <a:ea typeface="+mn-lt"/>
+                <a:cs typeface="+mn-lt"/>
+              </a:rPr>
+              <a:t>.</a:t>
+            </a:r>
+          </a:p>
+          <a:p>
+            <a:pPr marL="0" indent="0">
+              <a:buNone/>
+            </a:pPr>
+            <a:endParaRPr lang="en-US" sz="2000" dirty="0">
+              <a:ea typeface="+mn-lt"/>
+              <a:cs typeface="+mn-lt"/>
+            </a:endParaRPr>
+          </a:p>
+          <a:p>
+            <a:r>
+              <a:rPr lang="en-US" sz="2000" dirty="0">
+                <a:ea typeface="+mn-lt"/>
+                <a:cs typeface="+mn-lt"/>
+              </a:rPr>
+              <a:t>Scheme 1: Laptop (IK) 		</a:t>
+            </a:r>
+            <a:r>
+              <a:rPr lang="en-US" sz="2000" b="1" dirty="0">
+                <a:ea typeface="+mn-lt"/>
+                <a:cs typeface="+mn-lt"/>
+              </a:rPr>
+              <a:t>–(USB)–&gt; 		</a:t>
+            </a:r>
+            <a:r>
+              <a:rPr lang="en-US" sz="2000" dirty="0">
+                <a:ea typeface="+mn-lt"/>
+                <a:cs typeface="+mn-lt"/>
+              </a:rPr>
+              <a:t>Arduino (4 PWM).</a:t>
+            </a:r>
+          </a:p>
+          <a:p>
+            <a:r>
+              <a:rPr lang="en-US" sz="2000" dirty="0">
+                <a:ea typeface="+mn-lt"/>
+                <a:cs typeface="+mn-lt"/>
+              </a:rPr>
+              <a:t>Scheme 2: Laptop (IK) 		</a:t>
+            </a:r>
+            <a:r>
+              <a:rPr lang="en-US" sz="2000" b="1" dirty="0">
+                <a:ea typeface="+mn-lt"/>
+                <a:cs typeface="+mn-lt"/>
+              </a:rPr>
+              <a:t>–(UART with USB-TTL)–&gt;	</a:t>
+            </a:r>
+            <a:r>
+              <a:rPr lang="en-US" sz="2000" dirty="0">
+                <a:ea typeface="+mn-lt"/>
+                <a:cs typeface="+mn-lt"/>
+              </a:rPr>
+              <a:t>Arduino (4 PWM).</a:t>
+            </a:r>
+          </a:p>
+          <a:p>
+            <a:r>
+              <a:rPr lang="en-US" sz="2000" dirty="0">
+                <a:ea typeface="+mn-lt"/>
+                <a:cs typeface="+mn-lt"/>
+              </a:rPr>
+              <a:t>Scheme 3: Laptop (IK)		</a:t>
+            </a:r>
+            <a:r>
+              <a:rPr lang="en-US" sz="2000" b="1" dirty="0">
+                <a:ea typeface="+mn-lt"/>
+                <a:cs typeface="+mn-lt"/>
+              </a:rPr>
+              <a:t>–(I2C with USB-TTL)–&gt;	</a:t>
+            </a:r>
+            <a:r>
+              <a:rPr lang="en-US" sz="2000" dirty="0">
+                <a:ea typeface="+mn-lt"/>
+                <a:cs typeface="+mn-lt"/>
+              </a:rPr>
+              <a:t>Servo Driver (&gt;12 PWM).</a:t>
+            </a:r>
+          </a:p>
+          <a:p>
+            <a:r>
+              <a:rPr lang="en-US" sz="2000" dirty="0">
+                <a:ea typeface="+mn-lt"/>
+                <a:cs typeface="+mn-lt"/>
+              </a:rPr>
+              <a:t>Scheme 4: Pi/Jetson (IK)</a:t>
+            </a:r>
+            <a:r>
+              <a:rPr lang="en-US" sz="2000" b="1" dirty="0">
+                <a:ea typeface="+mn-lt"/>
+                <a:cs typeface="+mn-lt"/>
+              </a:rPr>
+              <a:t>		–(UART)–&gt;		</a:t>
+            </a:r>
+            <a:r>
+              <a:rPr lang="en-US" sz="2000" dirty="0">
+                <a:ea typeface="+mn-lt"/>
+                <a:cs typeface="+mn-lt"/>
+              </a:rPr>
+              <a:t>Arduino (4 PWM).</a:t>
+            </a:r>
+          </a:p>
+          <a:p>
+            <a:r>
+              <a:rPr lang="en-US" sz="2000" dirty="0">
+                <a:ea typeface="+mn-lt"/>
+                <a:cs typeface="+mn-lt"/>
+              </a:rPr>
+              <a:t>Scheme 5: Pi/Jetson (IK)</a:t>
+            </a:r>
+            <a:r>
+              <a:rPr lang="en-US" sz="2000" b="1" dirty="0">
+                <a:ea typeface="+mn-lt"/>
+                <a:cs typeface="+mn-lt"/>
+              </a:rPr>
+              <a:t>		–(I2C)–&gt;			</a:t>
+            </a:r>
+            <a:r>
+              <a:rPr lang="en-US" sz="2000" dirty="0">
+                <a:ea typeface="+mn-lt"/>
+                <a:cs typeface="+mn-lt"/>
+              </a:rPr>
+              <a:t>Servo Driver (&gt;12 PWM).</a:t>
+            </a:r>
+            <a:endParaRPr lang="en-US" sz="2000" b="1" dirty="0">
+              <a:ea typeface="+mn-lt"/>
+              <a:cs typeface="+mn-lt"/>
+            </a:endParaRPr>
+          </a:p>
+          <a:p>
+            <a:endParaRPr lang="en-US" sz="2000" b="1" dirty="0">
+              <a:cs typeface="Calibri"/>
+            </a:endParaRPr>
+          </a:p>
+          <a:p>
+            <a:endParaRPr lang="en-US" sz="2000" b="1" dirty="0">
+              <a:cs typeface="Calibri"/>
+            </a:endParaRPr>
+          </a:p>
+          <a:p>
+            <a:endParaRPr lang="en-US" sz="2000" b="1" dirty="0">
+              <a:cs typeface="Calibri"/>
+            </a:endParaRPr>
+          </a:p>
+          <a:p>
+            <a:endParaRPr lang="en-US" sz="2000" b="1" dirty="0">
+              <a:cs typeface="Calibri"/>
+            </a:endParaRPr>
+          </a:p>
+          <a:p>
+            <a:endParaRPr lang="en-US" sz="2000" b="1" dirty="0">
+              <a:cs typeface="Calibri"/>
+            </a:endParaRPr>
+          </a:p>
+          <a:p>
+            <a:endParaRPr lang="en-US" sz="2000" b="1" dirty="0">
+              <a:cs typeface="Calibri"/>
+            </a:endParaRPr>
+          </a:p>
+          <a:p>
+            <a:endParaRPr lang="en-US" sz="2000" b="1" dirty="0">
+              <a:cs typeface="Calibri"/>
+            </a:endParaRPr>
+          </a:p>
+          <a:p>
+            <a:endParaRPr lang="en-US" sz="2000" b="1" dirty="0">
+              <a:cs typeface="Calibri"/>
+            </a:endParaRPr>
+          </a:p>
+          <a:p>
+            <a:endParaRPr lang="en-US" sz="2000" b="1" dirty="0">
+              <a:cs typeface="Calibri"/>
+            </a:endParaRPr>
+          </a:p>
+          <a:p>
+            <a:endParaRPr lang="en-US" sz="2000" b="1" dirty="0">
+              <a:cs typeface="Calibri"/>
+            </a:endParaRPr>
+          </a:p>
+          <a:p>
+            <a:pPr marL="0" indent="0">
+              <a:buNone/>
+            </a:pPr>
+            <a:endParaRPr lang="en-US" sz="2000" b="1" dirty="0">
+              <a:cs typeface="Calibri"/>
+            </a:endParaRPr>
+          </a:p>
+          <a:p>
+            <a:endParaRPr lang="en-US" sz="2000" b="1" dirty="0">
+              <a:cs typeface="Calibri"/>
+            </a:endParaRPr>
+          </a:p>
+          <a:p>
+            <a:pPr marL="0" indent="0">
+              <a:buNone/>
+            </a:pPr>
+            <a:endParaRPr lang="en-US" sz="2000" b="1" dirty="0">
+              <a:cs typeface="Calibri"/>
+            </a:endParaRPr>
+          </a:p>
+          <a:p>
+            <a:pPr marL="0" indent="0">
+              <a:buNone/>
+            </a:pPr>
+            <a:endParaRPr lang="en-US" sz="2000" dirty="0">
+              <a:cs typeface="Calibri"/>
+            </a:endParaRPr>
+          </a:p>
+          <a:p>
+            <a:endParaRPr lang="en-US" sz="2000" b="1" dirty="0">
+              <a:cs typeface="Calibri"/>
+            </a:endParaRPr>
+          </a:p>
+          <a:p>
+            <a:endParaRPr lang="en-US" sz="2000" b="1" dirty="0">
+              <a:cs typeface="Calibri"/>
+            </a:endParaRPr>
+          </a:p>
+          <a:p>
+            <a:endParaRPr lang="en-US" sz="2000" b="1" dirty="0">
+              <a:cs typeface="Calibri"/>
+            </a:endParaRPr>
+          </a:p>
+          <a:p>
+            <a:pPr marL="457200" lvl="1" indent="0">
+              <a:buNone/>
+            </a:pPr>
+            <a:endParaRPr lang="en-US" sz="1600" dirty="0">
+              <a:cs typeface="Calibri"/>
+            </a:endParaRPr>
+          </a:p>
+          <a:p>
+            <a:pPr marL="0" indent="0">
+              <a:buNone/>
+            </a:pPr>
+            <a:endParaRPr lang="en-US" sz="2400" dirty="0">
+              <a:cs typeface="Calibri"/>
+            </a:endParaRPr>
+          </a:p>
+        </p:txBody>
+      </p:sp>
+    </p:spTree>
+    <p:extLst>
+      <p:ext uri="{BB962C8B-B14F-4D97-AF65-F5344CB8AC3E}">
+        <p14:creationId xmlns:p14="http://schemas.microsoft.com/office/powerpoint/2010/main" val="3939658906"/>
       </p:ext>
     </p:extLst>
   </p:cSld>
